--- a/NEW_DBMS교안/20. 고급 SQL 작성하기_PSEUDO_COLUMN.pptx
+++ b/NEW_DBMS교안/20. 고급 SQL 작성하기_PSEUDO_COLUMN.pptx
@@ -221,7 +221,7 @@
           <a:p>
             <a:fld id="{E150CED1-0BD3-437E-982C-E8005E10CB37}" type="datetimeFigureOut">
               <a:rPr lang="ko-KR" altLang="en-US" smtClean="0"/>
-              <a:t>2021-03-31</a:t>
+              <a:t>2021-04-08</a:t>
             </a:fld>
             <a:endParaRPr lang="ko-KR" altLang="en-US"/>
           </a:p>
@@ -2477,10 +2477,45 @@
               <a:rPr lang="en-US" altLang="ko-KR" dirty="0" smtClean="0"/>
             </a:br>
             <a:r>
-              <a:rPr lang="en-US" altLang="ko-KR" dirty="0"/>
-              <a:t>Pseudo-column</a:t>
-            </a:r>
-            <a:endParaRPr lang="ko-KR" altLang="en-US" dirty="0"/>
+              <a:rPr lang="en-US" altLang="ko-KR" dirty="0" smtClean="0"/>
+              <a:t>Pseudo-column –</a:t>
+            </a:r>
+            <a:br>
+              <a:rPr lang="en-US" altLang="ko-KR" dirty="0" smtClean="0"/>
+            </a:br>
+            <a:r>
+              <a:rPr lang="en-US" altLang="ko-KR" dirty="0" smtClean="0"/>
+              <a:t> </a:t>
+            </a:r>
+            <a:r>
+              <a:rPr lang="ko-KR" altLang="en-US" sz="1800" err="1" smtClean="0"/>
+              <a:t>가상칼럼</a:t>
+            </a:r>
+            <a:r>
+              <a:rPr lang="ko-KR" altLang="en-US" sz="1800" smtClean="0"/>
+              <a:t> </a:t>
+            </a:r>
+            <a:r>
+              <a:rPr lang="en-US" altLang="ko-KR" sz="1800" smtClean="0"/>
+              <a:t>[</a:t>
+            </a:r>
+            <a:r>
+              <a:rPr lang="ko-KR" altLang="en-US" sz="1800" smtClean="0"/>
+              <a:t>수도칼럼 </a:t>
+            </a:r>
+            <a:r>
+              <a:rPr lang="en-US" altLang="ko-KR" sz="1800" smtClean="0"/>
+              <a:t>P </a:t>
+            </a:r>
+            <a:r>
+              <a:rPr lang="ko-KR" altLang="en-US" sz="1800" smtClean="0"/>
+              <a:t>묵음</a:t>
+            </a:r>
+            <a:r>
+              <a:rPr lang="en-US" altLang="ko-KR" sz="1800" smtClean="0"/>
+              <a:t>]</a:t>
+            </a:r>
+            <a:endParaRPr lang="ko-KR" altLang="en-US" sz="1800" dirty="0"/>
           </a:p>
         </p:txBody>
       </p:sp>
@@ -3101,10 +3136,22 @@
             </a:r>
             <a:r>
               <a:rPr lang="ko-KR" altLang="en-US" dirty="0" smtClean="0"/>
-              <a:t>위해 일련번호를 생성하는 객체이다</a:t>
-            </a:r>
-            <a:r>
-              <a:rPr lang="en-US" altLang="ko-KR" dirty="0" smtClean="0"/>
+              <a:t>위해 </a:t>
+            </a:r>
+            <a:r>
+              <a:rPr lang="ko-KR" altLang="en-US" b="1" dirty="0" smtClean="0">
+                <a:solidFill>
+                  <a:srgbClr val="FF0000"/>
+                </a:solidFill>
+              </a:rPr>
+              <a:t>일련번호를 생성하는 객체이다</a:t>
+            </a:r>
+            <a:r>
+              <a:rPr lang="en-US" altLang="ko-KR" b="1" dirty="0" smtClean="0">
+                <a:solidFill>
+                  <a:srgbClr val="FF0000"/>
+                </a:solidFill>
+              </a:rPr>
               <a:t>.</a:t>
             </a:r>
           </a:p>
@@ -3157,18 +3204,66 @@
               <a:buAutoNum type="arabicPeriod"/>
             </a:pPr>
             <a:r>
-              <a:rPr lang="ko-KR" altLang="en-US" dirty="0" smtClean="0"/>
-              <a:t>생</a:t>
-            </a:r>
-            <a:r>
-              <a:rPr lang="ko-KR" altLang="en-US" dirty="0"/>
-              <a:t>성</a:t>
-            </a:r>
-            <a:r>
-              <a:rPr lang="ko-KR" altLang="en-US" dirty="0" smtClean="0"/>
-              <a:t>방법</a:t>
-            </a:r>
-            <a:endParaRPr lang="en-US" altLang="ko-KR" dirty="0" smtClean="0"/>
+              <a:rPr lang="ko-KR" altLang="en-US" u="sng" dirty="0" err="1" smtClean="0"/>
+              <a:t>생성방법</a:t>
+            </a:r>
+            <a:r>
+              <a:rPr lang="ko-KR" altLang="en-US" u="sng" dirty="0" smtClean="0"/>
+              <a:t> </a:t>
+            </a:r>
+            <a:r>
+              <a:rPr lang="en-US" altLang="ko-KR" u="sng" dirty="0"/>
+              <a:t> </a:t>
+            </a:r>
+            <a:r>
+              <a:rPr lang="en-US" altLang="ko-KR" u="sng" dirty="0" smtClean="0"/>
+              <a:t>- </a:t>
+            </a:r>
+            <a:r>
+              <a:rPr lang="ko-KR" altLang="en-US" u="sng" dirty="0" smtClean="0">
+                <a:solidFill>
+                  <a:srgbClr val="FF0000"/>
+                </a:solidFill>
+              </a:rPr>
+              <a:t>글씨 </a:t>
+            </a:r>
+            <a:r>
+              <a:rPr lang="ko-KR" altLang="en-US" u="sng" dirty="0" err="1" smtClean="0">
+                <a:solidFill>
+                  <a:srgbClr val="FF0000"/>
+                </a:solidFill>
+              </a:rPr>
+              <a:t>한톨</a:t>
+            </a:r>
+            <a:r>
+              <a:rPr lang="ko-KR" altLang="en-US" u="sng" dirty="0" smtClean="0">
+                <a:solidFill>
+                  <a:srgbClr val="FF0000"/>
+                </a:solidFill>
+              </a:rPr>
+              <a:t> </a:t>
+            </a:r>
+            <a:r>
+              <a:rPr lang="ko-KR" altLang="en-US" u="sng" dirty="0" err="1" smtClean="0">
+                <a:solidFill>
+                  <a:srgbClr val="FF0000"/>
+                </a:solidFill>
+              </a:rPr>
+              <a:t>안빼고</a:t>
+            </a:r>
+            <a:r>
+              <a:rPr lang="ko-KR" altLang="en-US" u="sng" dirty="0" smtClean="0">
+                <a:solidFill>
+                  <a:srgbClr val="FF0000"/>
+                </a:solidFill>
+              </a:rPr>
+              <a:t> 외우기</a:t>
+            </a:r>
+            <a:endParaRPr lang="en-US" altLang="ko-KR" u="sng" dirty="0" smtClean="0">
+              <a:solidFill>
+                <a:srgbClr val="FF0000"/>
+              </a:solidFill>
+            </a:endParaRPr>
           </a:p>
           <a:p>
             <a:endParaRPr lang="ko-KR" altLang="en-US" dirty="0"/>
@@ -3206,8 +3301,8 @@
         </p:nvSpPr>
         <p:spPr>
           <a:xfrm>
-            <a:off x="1259633" y="3789040"/>
-            <a:ext cx="6984776" cy="2232248"/>
+            <a:off x="1012105" y="3789040"/>
+            <a:ext cx="7331795" cy="2232248"/>
           </a:xfrm>
           <a:prstGeom prst="rect">
             <a:avLst/>
@@ -3262,8 +3357,29 @@
             </a:pPr>
             <a:r>
               <a:rPr lang="en-US" altLang="ko-KR" sz="1400" dirty="0" smtClean="0"/>
-              <a:t>[INCREMENT BY n]</a:t>
-            </a:r>
+              <a:t>[INCREMENT BY n</a:t>
+            </a:r>
+            <a:r>
+              <a:rPr lang="en-US" altLang="ko-KR" sz="1400" dirty="0" smtClean="0"/>
+              <a:t>] -----(</a:t>
+            </a:r>
+            <a:r>
+              <a:rPr lang="ko-KR" altLang="en-US" sz="1400" dirty="0" smtClean="0"/>
+              <a:t>번호가 </a:t>
+            </a:r>
+            <a:r>
+              <a:rPr lang="en-US" altLang="ko-KR" sz="1400" dirty="0"/>
+              <a:t>n</a:t>
+            </a:r>
+            <a:r>
+              <a:rPr lang="ko-KR" altLang="en-US" sz="1400" dirty="0" smtClean="0"/>
+              <a:t>씩 증가</a:t>
+            </a:r>
+            <a:r>
+              <a:rPr lang="en-US" altLang="ko-KR" sz="1400" dirty="0" smtClean="0"/>
+              <a:t>)</a:t>
+            </a:r>
+            <a:endParaRPr lang="en-US" altLang="ko-KR" sz="1400" dirty="0" smtClean="0"/>
           </a:p>
           <a:p>
             <a:pPr>
@@ -3273,8 +3389,25 @@
             </a:pPr>
             <a:r>
               <a:rPr lang="en-US" altLang="ko-KR" sz="1400" dirty="0" smtClean="0"/>
-              <a:t>[START WITH n]</a:t>
-            </a:r>
+              <a:t>[START WITH n</a:t>
+            </a:r>
+            <a:r>
+              <a:rPr lang="en-US" altLang="ko-KR" sz="1400" dirty="0"/>
+              <a:t>] </a:t>
+            </a:r>
+            <a:r>
+              <a:rPr lang="en-US" altLang="ko-KR" sz="1400" dirty="0" smtClean="0"/>
+              <a:t>-----(</a:t>
+            </a:r>
+            <a:r>
+              <a:rPr lang="ko-KR" altLang="en-US" sz="1400" dirty="0"/>
+              <a:t>번호 시작이 </a:t>
+            </a:r>
+            <a:r>
+              <a:rPr lang="en-US" altLang="ko-KR" sz="1400" dirty="0" smtClean="0"/>
+              <a:t>n)</a:t>
+            </a:r>
+            <a:endParaRPr lang="en-US" altLang="ko-KR" sz="1400" dirty="0" smtClean="0"/>
           </a:p>
           <a:p>
             <a:pPr>
@@ -3284,8 +3417,33 @@
             </a:pPr>
             <a:r>
               <a:rPr lang="en-US" altLang="ko-KR" sz="1400" dirty="0" smtClean="0"/>
-              <a:t>[MAXVALUE n | NOMAXVALUE]</a:t>
-            </a:r>
+              <a:t>[MAXVALUE n | NOMAXVALUE</a:t>
+            </a:r>
+            <a:r>
+              <a:rPr lang="en-US" altLang="ko-KR" sz="1400" dirty="0"/>
+              <a:t>] </a:t>
+            </a:r>
+            <a:r>
+              <a:rPr lang="en-US" altLang="ko-KR" sz="1400" dirty="0" smtClean="0"/>
+              <a:t>-----(</a:t>
+            </a:r>
+            <a:r>
+              <a:rPr lang="ko-KR" altLang="en-US" sz="1400" dirty="0" smtClean="0"/>
+              <a:t>최대값 </a:t>
+            </a:r>
+            <a:r>
+              <a:rPr lang="en-US" altLang="ko-KR" sz="1400" dirty="0" smtClean="0"/>
+              <a:t>N | </a:t>
+            </a:r>
+            <a:r>
+              <a:rPr lang="ko-KR" altLang="en-US" sz="1400" dirty="0" smtClean="0"/>
+              <a:t>최대값 없다</a:t>
+            </a:r>
+            <a:r>
+              <a:rPr lang="en-US" altLang="ko-KR" sz="1400" dirty="0" smtClean="0"/>
+              <a:t>)</a:t>
+            </a:r>
+            <a:endParaRPr lang="en-US" altLang="ko-KR" sz="1400" dirty="0" smtClean="0"/>
           </a:p>
           <a:p>
             <a:pPr>
@@ -3295,8 +3453,41 @@
             </a:pPr>
             <a:r>
               <a:rPr lang="en-US" altLang="ko-KR" sz="1400" dirty="0" smtClean="0"/>
-              <a:t>[MINVALUE n | NOMINVALUE]</a:t>
-            </a:r>
+              <a:t>[MINVALUE n | NOMINVALUE</a:t>
+            </a:r>
+            <a:r>
+              <a:rPr lang="en-US" altLang="ko-KR" sz="1400" dirty="0"/>
+              <a:t>] </a:t>
+            </a:r>
+            <a:r>
+              <a:rPr lang="en-US" altLang="ko-KR" sz="1400" dirty="0" smtClean="0"/>
+              <a:t>-----(</a:t>
+            </a:r>
+            <a:r>
+              <a:rPr lang="ko-KR" altLang="en-US" sz="1400" dirty="0" smtClean="0"/>
+              <a:t>최소값 </a:t>
+            </a:r>
+            <a:r>
+              <a:rPr lang="en-US" altLang="ko-KR" sz="1400" dirty="0"/>
+              <a:t>N | </a:t>
+            </a:r>
+            <a:r>
+              <a:rPr lang="ko-KR" altLang="en-US" sz="1400" dirty="0"/>
+              <a:t>최소값</a:t>
+            </a:r>
+            <a:r>
+              <a:rPr lang="ko-KR" altLang="en-US" sz="1400" dirty="0" smtClean="0"/>
+              <a:t> </a:t>
+            </a:r>
+            <a:r>
+              <a:rPr lang="ko-KR" altLang="en-US" sz="1400" dirty="0"/>
+              <a:t>없다</a:t>
+            </a:r>
+            <a:r>
+              <a:rPr lang="en-US" altLang="ko-KR" sz="1400" dirty="0" smtClean="0"/>
+              <a:t>)</a:t>
+            </a:r>
+            <a:endParaRPr lang="en-US" altLang="ko-KR" sz="1400" dirty="0" smtClean="0"/>
           </a:p>
           <a:p>
             <a:pPr>
@@ -3306,7 +3497,43 @@
             </a:pPr>
             <a:r>
               <a:rPr lang="en-US" altLang="ko-KR" sz="1400" dirty="0" smtClean="0"/>
-              <a:t>[CYCLE | NOCYCLE]</a:t>
+              <a:t>[CYCLE | </a:t>
+            </a:r>
+            <a:r>
+              <a:rPr lang="en-US" altLang="ko-KR" sz="1400" dirty="0"/>
+              <a:t>NOCYCLE] ] </a:t>
+            </a:r>
+            <a:r>
+              <a:rPr lang="en-US" altLang="ko-KR" sz="1400" dirty="0" smtClean="0"/>
+              <a:t>-----(</a:t>
+            </a:r>
+            <a:r>
+              <a:rPr lang="ko-KR" altLang="en-US" sz="1400" dirty="0" err="1"/>
+              <a:t>번호순환</a:t>
+            </a:r>
+            <a:r>
+              <a:rPr lang="ko-KR" altLang="en-US" sz="1400" dirty="0"/>
+              <a:t> </a:t>
+            </a:r>
+            <a:r>
+              <a:rPr lang="en-US" altLang="ko-KR" sz="1400" dirty="0" smtClean="0"/>
+              <a:t>| </a:t>
+            </a:r>
+            <a:r>
+              <a:rPr lang="ko-KR" altLang="en-US" sz="1400" dirty="0" smtClean="0"/>
+              <a:t> </a:t>
+            </a:r>
+            <a:r>
+              <a:rPr lang="ko-KR" altLang="en-US" sz="1400" dirty="0" err="1" smtClean="0"/>
+              <a:t>번호순환</a:t>
+            </a:r>
+            <a:r>
+              <a:rPr lang="ko-KR" altLang="en-US" sz="1400" dirty="0" smtClean="0"/>
+              <a:t> 없다</a:t>
+            </a:r>
+            <a:r>
+              <a:rPr lang="en-US" altLang="ko-KR" sz="1400" dirty="0"/>
+              <a:t>)</a:t>
             </a:r>
           </a:p>
           <a:p>
@@ -3317,8 +3544,75 @@
             </a:pPr>
             <a:r>
               <a:rPr lang="en-US" altLang="ko-KR" sz="1400" dirty="0" smtClean="0"/>
-              <a:t>[CACHE n | NOCACHE]</a:t>
-            </a:r>
+              <a:t>[</a:t>
+            </a:r>
+            <a:r>
+              <a:rPr lang="en-US" altLang="ko-KR" sz="1400" dirty="0" smtClean="0"/>
+              <a:t>CACHE n | NOCACHE</a:t>
+            </a:r>
+            <a:r>
+              <a:rPr lang="en-US" altLang="ko-KR" sz="1400" dirty="0"/>
+              <a:t>] ] </a:t>
+            </a:r>
+            <a:r>
+              <a:rPr lang="en-US" altLang="ko-KR" sz="1400" dirty="0" smtClean="0"/>
+              <a:t>-----(</a:t>
+            </a:r>
+            <a:r>
+              <a:rPr lang="ko-KR" altLang="en-US" sz="1400" dirty="0" err="1" smtClean="0"/>
+              <a:t>캐시한다</a:t>
+            </a:r>
+            <a:r>
+              <a:rPr lang="en-US" altLang="ko-KR" sz="1400" dirty="0" smtClean="0"/>
+              <a:t> </a:t>
+            </a:r>
+            <a:r>
+              <a:rPr lang="en-US" altLang="ko-KR" sz="1400" dirty="0"/>
+              <a:t>| </a:t>
+            </a:r>
+            <a:r>
+              <a:rPr lang="en-US" altLang="ko-KR" sz="1400" dirty="0" smtClean="0"/>
+              <a:t> </a:t>
+            </a:r>
+            <a:r>
+              <a:rPr lang="ko-KR" altLang="en-US" sz="1400" dirty="0" err="1" smtClean="0"/>
+              <a:t>캐시하지않는다</a:t>
+            </a:r>
+            <a:r>
+              <a:rPr lang="en-US" altLang="ko-KR" sz="1400" dirty="0" smtClean="0"/>
+              <a:t>) </a:t>
+            </a:r>
+            <a:r>
+              <a:rPr lang="en-US" altLang="ko-KR" sz="1400" dirty="0" smtClean="0">
+                <a:sym typeface="Wingdings" panose="05000000000000000000" pitchFamily="2" charset="2"/>
+              </a:rPr>
+              <a:t></a:t>
+            </a:r>
+            <a:r>
+              <a:rPr lang="ko-KR" altLang="en-US" sz="1400" dirty="0" err="1" smtClean="0">
+                <a:sym typeface="Wingdings" panose="05000000000000000000" pitchFamily="2" charset="2"/>
+              </a:rPr>
+              <a:t>캐시항상</a:t>
+            </a:r>
+            <a:r>
+              <a:rPr lang="ko-KR" altLang="en-US" sz="1400" dirty="0" smtClean="0">
+                <a:sym typeface="Wingdings" panose="05000000000000000000" pitchFamily="2" charset="2"/>
+              </a:rPr>
+              <a:t> </a:t>
+            </a:r>
+            <a:r>
+              <a:rPr lang="ko-KR" altLang="en-US" sz="1400" dirty="0" err="1" smtClean="0">
+                <a:sym typeface="Wingdings" panose="05000000000000000000" pitchFamily="2" charset="2"/>
+              </a:rPr>
+              <a:t>하지않는것</a:t>
+            </a:r>
+            <a:r>
+              <a:rPr lang="ko-KR" altLang="en-US" sz="1400" dirty="0" smtClean="0">
+                <a:sym typeface="Wingdings" panose="05000000000000000000" pitchFamily="2" charset="2"/>
+              </a:rPr>
+              <a:t> 쓰기</a:t>
+            </a:r>
+            <a:endParaRPr lang="en-US" altLang="ko-KR" sz="1400" dirty="0"/>
           </a:p>
         </p:txBody>
       </p:sp>
@@ -3607,15 +3901,15 @@
               <a:buAutoNum type="arabicPeriod"/>
             </a:pPr>
             <a:r>
-              <a:rPr lang="en-US" altLang="ko-KR" dirty="0" smtClean="0"/>
+              <a:rPr lang="en-US" altLang="ko-KR" b="1" dirty="0" smtClean="0"/>
               <a:t>START WITH </a:t>
             </a:r>
             <a:r>
-              <a:rPr lang="ko-KR" altLang="en-US" dirty="0" smtClean="0"/>
+              <a:rPr lang="ko-KR" altLang="en-US" b="1" dirty="0" smtClean="0"/>
               <a:t>절은 생성 직후 이미 시작한 값으로 수정할 수 없다</a:t>
             </a:r>
             <a:r>
-              <a:rPr lang="en-US" altLang="ko-KR" dirty="0" smtClean="0"/>
+              <a:rPr lang="en-US" altLang="ko-KR" b="1" dirty="0" smtClean="0"/>
               <a:t>.</a:t>
             </a:r>
           </a:p>
@@ -3644,6 +3938,29 @@
               <a:rPr lang="en-US" altLang="ko-KR" dirty="0" smtClean="0"/>
               <a:t>.</a:t>
             </a:r>
+          </a:p>
+          <a:p>
+            <a:pPr marL="580644" lvl="2" indent="-342900">
+              <a:buFont typeface="+mj-lt"/>
+              <a:buAutoNum type="arabicPeriod"/>
+            </a:pPr>
+            <a:r>
+              <a:rPr lang="ko-KR" altLang="en-US" b="1" dirty="0" smtClean="0"/>
+              <a:t>수정은 거의 없다</a:t>
+            </a:r>
+            <a:r>
+              <a:rPr lang="en-US" altLang="ko-KR" b="1" dirty="0" smtClean="0"/>
+              <a:t>. </a:t>
+            </a:r>
+            <a:r>
+              <a:rPr lang="ko-KR" altLang="en-US" b="1" dirty="0" smtClean="0"/>
+              <a:t>삭제하고 재 생성함</a:t>
+            </a:r>
+            <a:r>
+              <a:rPr lang="en-US" altLang="ko-KR" b="1" dirty="0" smtClean="0"/>
+              <a:t>(DROP - CREATE)</a:t>
+            </a:r>
+            <a:endParaRPr lang="en-US" altLang="ko-KR" b="1" dirty="0" smtClean="0"/>
           </a:p>
           <a:p>
             <a:pPr marL="342900" indent="-342900">
@@ -3824,7 +4141,11 @@
               <a:buAutoNum type="arabicPeriod"/>
             </a:pPr>
             <a:r>
-              <a:rPr lang="en-US" altLang="ko-KR" dirty="0" smtClean="0"/>
+              <a:rPr lang="en-US" altLang="ko-KR" dirty="0" smtClean="0">
+                <a:solidFill>
+                  <a:srgbClr val="FF0000"/>
+                </a:solidFill>
+              </a:rPr>
               <a:t>CURRVAL</a:t>
             </a:r>
           </a:p>
@@ -3835,10 +4156,14 @@
             </a:pPr>
             <a:r>
               <a:rPr lang="ko-KR" altLang="en-US" dirty="0" smtClean="0"/>
-              <a:t>시퀀스에서 생성된 현재 번호를 확인한다</a:t>
-            </a:r>
-            <a:r>
-              <a:rPr lang="en-US" altLang="ko-KR" dirty="0" smtClean="0"/>
+              <a:t>시퀀스에서 생성된 </a:t>
+            </a:r>
+            <a:r>
+              <a:rPr lang="ko-KR" altLang="en-US" u="sng" dirty="0" smtClean="0"/>
+              <a:t>현재 번호를 확인한다</a:t>
+            </a:r>
+            <a:r>
+              <a:rPr lang="en-US" altLang="ko-KR" u="sng" dirty="0" smtClean="0"/>
               <a:t>.</a:t>
             </a:r>
           </a:p>
@@ -3848,15 +4173,15 @@
               <a:buAutoNum type="arabicPeriod"/>
             </a:pPr>
             <a:r>
-              <a:rPr lang="en-US" altLang="ko-KR" dirty="0" smtClean="0"/>
+              <a:rPr lang="en-US" altLang="ko-KR" u="sng" dirty="0" smtClean="0"/>
               <a:t>NEXTVAL </a:t>
             </a:r>
             <a:r>
-              <a:rPr lang="ko-KR" altLang="en-US" dirty="0" smtClean="0"/>
+              <a:rPr lang="ko-KR" altLang="en-US" u="sng" dirty="0" smtClean="0"/>
               <a:t>함수 호출이 한 번도 없는 경우 사용할 수 없다</a:t>
             </a:r>
             <a:r>
-              <a:rPr lang="en-US" altLang="ko-KR" dirty="0" smtClean="0"/>
+              <a:rPr lang="en-US" altLang="ko-KR" u="sng" dirty="0" smtClean="0"/>
               <a:t>.</a:t>
             </a:r>
           </a:p>
@@ -3892,7 +4217,11 @@
               <a:buAutoNum type="arabicPeriod"/>
             </a:pPr>
             <a:r>
-              <a:rPr lang="en-US" altLang="ko-KR" dirty="0" smtClean="0"/>
+              <a:rPr lang="en-US" altLang="ko-KR" dirty="0" smtClean="0">
+                <a:solidFill>
+                  <a:srgbClr val="FF0000"/>
+                </a:solidFill>
+              </a:rPr>
               <a:t>NEXTVAL</a:t>
             </a:r>
           </a:p>
@@ -3916,19 +4245,19 @@
               <a:buAutoNum type="arabicPeriod"/>
             </a:pPr>
             <a:r>
-              <a:rPr lang="ko-KR" altLang="en-US" dirty="0" smtClean="0"/>
+              <a:rPr lang="ko-KR" altLang="en-US" u="sng" dirty="0" smtClean="0"/>
               <a:t>최초 시퀀스를 생성하려면 반드시 </a:t>
             </a:r>
             <a:r>
-              <a:rPr lang="en-US" altLang="ko-KR" dirty="0" smtClean="0"/>
+              <a:rPr lang="en-US" altLang="ko-KR" u="sng" dirty="0" smtClean="0"/>
               <a:t>NEXTVAL </a:t>
             </a:r>
             <a:r>
-              <a:rPr lang="ko-KR" altLang="en-US" dirty="0" smtClean="0"/>
+              <a:rPr lang="ko-KR" altLang="en-US" u="sng" dirty="0" smtClean="0"/>
               <a:t>함수를 사용해야 한다</a:t>
             </a:r>
             <a:r>
-              <a:rPr lang="en-US" altLang="ko-KR" dirty="0" smtClean="0"/>
+              <a:rPr lang="en-US" altLang="ko-KR" u="sng" dirty="0" smtClean="0"/>
               <a:t>.</a:t>
             </a:r>
           </a:p>
@@ -4179,18 +4508,38 @@
             </a:pPr>
             <a:r>
               <a:rPr lang="ko-KR" altLang="en-US" dirty="0" smtClean="0"/>
-              <a:t>쿼리에 의해 추출된 각 행</a:t>
-            </a:r>
-            <a:r>
-              <a:rPr lang="en-US" altLang="ko-KR" dirty="0" smtClean="0"/>
+              <a:t>쿼리에 의해 추출된 </a:t>
+            </a:r>
+            <a:r>
+              <a:rPr lang="ko-KR" altLang="en-US" b="1" dirty="0" smtClean="0">
+                <a:solidFill>
+                  <a:srgbClr val="FF0000"/>
+                </a:solidFill>
+              </a:rPr>
+              <a:t>각 행</a:t>
+            </a:r>
+            <a:r>
+              <a:rPr lang="en-US" altLang="ko-KR" b="1" dirty="0" smtClean="0">
+                <a:solidFill>
+                  <a:srgbClr val="FF0000"/>
+                </a:solidFill>
+              </a:rPr>
               <a:t>(ROW)</a:t>
             </a:r>
             <a:r>
-              <a:rPr lang="ko-KR" altLang="en-US" dirty="0" smtClean="0"/>
+              <a:rPr lang="ko-KR" altLang="en-US" b="1" dirty="0" smtClean="0">
+                <a:solidFill>
+                  <a:srgbClr val="FF0000"/>
+                </a:solidFill>
+              </a:rPr>
               <a:t>에 부여된 일련번호를 의미한다</a:t>
             </a:r>
             <a:r>
-              <a:rPr lang="en-US" altLang="ko-KR" dirty="0" smtClean="0"/>
+              <a:rPr lang="en-US" altLang="ko-KR" b="1" dirty="0" smtClean="0">
+                <a:solidFill>
+                  <a:srgbClr val="FF0000"/>
+                </a:solidFill>
+              </a:rPr>
               <a:t>.</a:t>
             </a:r>
           </a:p>
@@ -4240,19 +4589,35 @@
               <a:buAutoNum type="arabicPeriod"/>
             </a:pPr>
             <a:r>
-              <a:rPr lang="ko-KR" altLang="en-US" dirty="0" smtClean="0"/>
+              <a:rPr lang="ko-KR" altLang="en-US" b="1" dirty="0" smtClean="0">
+                <a:solidFill>
+                  <a:srgbClr val="FF0000"/>
+                </a:solidFill>
+              </a:rPr>
               <a:t>순서 </a:t>
             </a:r>
             <a:r>
-              <a:rPr lang="en-US" altLang="ko-KR" dirty="0" smtClean="0"/>
+              <a:rPr lang="en-US" altLang="ko-KR" b="1" dirty="0" smtClean="0">
+                <a:solidFill>
+                  <a:srgbClr val="FF0000"/>
+                </a:solidFill>
+              </a:rPr>
               <a:t>: FROM -&gt; WHERE -&gt; ROWNUM </a:t>
             </a:r>
             <a:r>
-              <a:rPr lang="ko-KR" altLang="en-US" dirty="0" smtClean="0"/>
+              <a:rPr lang="ko-KR" altLang="en-US" b="1" dirty="0" smtClean="0">
+                <a:solidFill>
+                  <a:srgbClr val="FF0000"/>
+                </a:solidFill>
+              </a:rPr>
               <a:t>부여 </a:t>
             </a:r>
             <a:r>
-              <a:rPr lang="en-US" altLang="ko-KR" dirty="0" smtClean="0"/>
+              <a:rPr lang="en-US" altLang="ko-KR" b="1" dirty="0" smtClean="0">
+                <a:solidFill>
+                  <a:srgbClr val="FF0000"/>
+                </a:solidFill>
+              </a:rPr>
               <a:t>-&gt; SELECT -&gt; ORDER BY</a:t>
             </a:r>
           </a:p>
